--- a/10.Serialization/SerializationPresentation.pptx
+++ b/10.Serialization/SerializationPresentation.pptx
@@ -5,7 +5,7 @@
     <p:sldMasterId id="2147483661" r:id="rId1"/>
   </p:sldMasterIdLst>
   <p:notesMasterIdLst>
-    <p:notesMasterId r:id="rId9"/>
+    <p:notesMasterId r:id="rId8"/>
   </p:notesMasterIdLst>
   <p:sldIdLst>
     <p:sldId id="256" r:id="rId2"/>
@@ -14,31 +14,30 @@
     <p:sldId id="270" r:id="rId5"/>
     <p:sldId id="271" r:id="rId6"/>
     <p:sldId id="272" r:id="rId7"/>
-    <p:sldId id="273" r:id="rId8"/>
   </p:sldIdLst>
   <p:sldSz cx="9144000" cy="6858000" type="screen4x3"/>
   <p:notesSz cx="6858000" cy="9144000"/>
   <p:embeddedFontLst>
     <p:embeddedFont>
       <p:font typeface="Calibri" panose="020F0502020204030204" pitchFamily="34" charset="0"/>
-      <p:regular r:id="rId10"/>
-      <p:bold r:id="rId11"/>
-      <p:italic r:id="rId12"/>
-      <p:boldItalic r:id="rId13"/>
+      <p:regular r:id="rId9"/>
+      <p:bold r:id="rId10"/>
+      <p:italic r:id="rId11"/>
+      <p:boldItalic r:id="rId12"/>
     </p:embeddedFont>
     <p:embeddedFont>
       <p:font typeface="Consolas" panose="020B0609020204030204" pitchFamily="49" charset="0"/>
-      <p:regular r:id="rId14"/>
-      <p:bold r:id="rId15"/>
-      <p:italic r:id="rId16"/>
-      <p:boldItalic r:id="rId17"/>
+      <p:regular r:id="rId13"/>
+      <p:bold r:id="rId14"/>
+      <p:italic r:id="rId15"/>
+      <p:boldItalic r:id="rId16"/>
     </p:embeddedFont>
     <p:embeddedFont>
       <p:font typeface="Roboto" panose="020B0604020202020204" charset="0"/>
-      <p:regular r:id="rId18"/>
-      <p:bold r:id="rId19"/>
-      <p:italic r:id="rId20"/>
-      <p:boldItalic r:id="rId21"/>
+      <p:regular r:id="rId17"/>
+      <p:bold r:id="rId18"/>
+      <p:italic r:id="rId19"/>
+      <p:boldItalic r:id="rId20"/>
     </p:embeddedFont>
   </p:embeddedFontLst>
   <p:defaultTextStyle>
@@ -2629,199 +2628,6 @@
     <p:extLst>
       <p:ext uri="{BB962C8B-B14F-4D97-AF65-F5344CB8AC3E}">
         <p14:creationId xmlns:p14="http://schemas.microsoft.com/office/powerpoint/2010/main" val="4204314801"/>
-      </p:ext>
-    </p:extLst>
-  </p:cSld>
-  <p:clrMapOvr>
-    <a:masterClrMapping/>
-  </p:clrMapOvr>
-</p:notes>
-</file>
-
-<file path=ppt/notesSlides/notesSlide7.xml><?xml version="1.0" encoding="utf-8"?>
-<p:notes xmlns:a="http://schemas.openxmlformats.org/drawingml/2006/main" xmlns:r="http://schemas.openxmlformats.org/officeDocument/2006/relationships" xmlns:p="http://schemas.openxmlformats.org/presentationml/2006/main" showMasterSp="0" showMasterPhAnim="0">
-  <p:cSld>
-    <p:spTree>
-      <p:nvGrpSpPr>
-        <p:cNvPr id="1" name="Shape 152"/>
-        <p:cNvGrpSpPr/>
-        <p:nvPr/>
-      </p:nvGrpSpPr>
-      <p:grpSpPr>
-        <a:xfrm>
-          <a:off x="0" y="0"/>
-          <a:ext cx="0" cy="0"/>
-          <a:chOff x="0" y="0"/>
-          <a:chExt cx="0" cy="0"/>
-        </a:xfrm>
-      </p:grpSpPr>
-      <p:sp>
-        <p:nvSpPr>
-          <p:cNvPr id="153" name="Shape 153"/>
-          <p:cNvSpPr>
-            <a:spLocks noGrp="1" noRot="1" noChangeAspect="1"/>
-          </p:cNvSpPr>
-          <p:nvPr>
-            <p:ph type="sldImg" idx="2"/>
-          </p:nvPr>
-        </p:nvSpPr>
-        <p:spPr>
-          <a:xfrm>
-            <a:off x="1143000" y="685800"/>
-            <a:ext cx="4572000" cy="3429000"/>
-          </a:xfrm>
-          <a:custGeom>
-            <a:avLst/>
-            <a:gdLst/>
-            <a:ahLst/>
-            <a:cxnLst/>
-            <a:rect l="0" t="0" r="0" b="0"/>
-            <a:pathLst>
-              <a:path w="120000" h="120000" extrusionOk="0">
-                <a:moveTo>
-                  <a:pt x="0" y="0"/>
-                </a:moveTo>
-                <a:lnTo>
-                  <a:pt x="120000" y="0"/>
-                </a:lnTo>
-                <a:lnTo>
-                  <a:pt x="120000" y="120000"/>
-                </a:lnTo>
-                <a:lnTo>
-                  <a:pt x="0" y="120000"/>
-                </a:lnTo>
-                <a:close/>
-              </a:path>
-            </a:pathLst>
-          </a:custGeom>
-          <a:noFill/>
-          <a:ln w="9525" cap="flat" cmpd="sng">
-            <a:solidFill>
-              <a:srgbClr val="000000"/>
-            </a:solidFill>
-            <a:prstDash val="solid"/>
-            <a:miter lim="800000"/>
-            <a:headEnd type="none" w="med" len="med"/>
-            <a:tailEnd type="none" w="med" len="med"/>
-          </a:ln>
-        </p:spPr>
-      </p:sp>
-      <p:sp>
-        <p:nvSpPr>
-          <p:cNvPr id="154" name="Shape 154"/>
-          <p:cNvSpPr txBox="1">
-            <a:spLocks noGrp="1"/>
-          </p:cNvSpPr>
-          <p:nvPr>
-            <p:ph type="body" idx="1"/>
-          </p:nvPr>
-        </p:nvSpPr>
-        <p:spPr>
-          <a:xfrm>
-            <a:off x="685800" y="4343400"/>
-            <a:ext cx="5486400" cy="4114800"/>
-          </a:xfrm>
-          <a:prstGeom prst="rect">
-            <a:avLst/>
-          </a:prstGeom>
-          <a:noFill/>
-          <a:ln>
-            <a:noFill/>
-          </a:ln>
-        </p:spPr>
-        <p:txBody>
-          <a:bodyPr spcFirstLastPara="1" wrap="square" lIns="91425" tIns="45700" rIns="91425" bIns="45700" anchor="t" anchorCtr="0">
-            <a:noAutofit/>
-          </a:bodyPr>
-          <a:lstStyle/>
-          <a:p>
-            <a:pPr marL="0" marR="0" lvl="0" indent="0" algn="l" rtl="0">
-              <a:spcBef>
-                <a:spcPts val="0"/>
-              </a:spcBef>
-              <a:spcAft>
-                <a:spcPts val="0"/>
-              </a:spcAft>
-              <a:buNone/>
-            </a:pPr>
-            <a:endParaRPr sz="1200" b="0" i="0" u="none" strike="noStrike" cap="none">
-              <a:solidFill>
-                <a:schemeClr val="dk1"/>
-              </a:solidFill>
-              <a:latin typeface="Calibri"/>
-              <a:ea typeface="Calibri"/>
-              <a:cs typeface="Calibri"/>
-              <a:sym typeface="Calibri"/>
-            </a:endParaRPr>
-          </a:p>
-        </p:txBody>
-      </p:sp>
-      <p:sp>
-        <p:nvSpPr>
-          <p:cNvPr id="155" name="Shape 155"/>
-          <p:cNvSpPr txBox="1">
-            <a:spLocks noGrp="1"/>
-          </p:cNvSpPr>
-          <p:nvPr>
-            <p:ph type="sldNum" idx="12"/>
-          </p:nvPr>
-        </p:nvSpPr>
-        <p:spPr>
-          <a:xfrm>
-            <a:off x="3884613" y="8685213"/>
-            <a:ext cx="2971800" cy="457200"/>
-          </a:xfrm>
-          <a:prstGeom prst="rect">
-            <a:avLst/>
-          </a:prstGeom>
-          <a:noFill/>
-          <a:ln>
-            <a:noFill/>
-          </a:ln>
-        </p:spPr>
-        <p:txBody>
-          <a:bodyPr spcFirstLastPara="1" wrap="square" lIns="91425" tIns="45700" rIns="91425" bIns="45700" anchor="b" anchorCtr="0">
-            <a:noAutofit/>
-          </a:bodyPr>
-          <a:lstStyle/>
-          <a:p>
-            <a:pPr marL="0" marR="0" lvl="0" indent="0" algn="r" rtl="0">
-              <a:spcBef>
-                <a:spcPts val="0"/>
-              </a:spcBef>
-              <a:spcAft>
-                <a:spcPts val="0"/>
-              </a:spcAft>
-              <a:buNone/>
-            </a:pPr>
-            <a:fld id="{00000000-1234-1234-1234-123412341234}" type="slidenum">
-              <a:rPr lang="en-US" sz="1200" b="0" i="0" u="none" strike="noStrike" cap="none">
-                <a:solidFill>
-                  <a:schemeClr val="dk1"/>
-                </a:solidFill>
-                <a:latin typeface="Calibri"/>
-                <a:ea typeface="Calibri"/>
-                <a:cs typeface="Calibri"/>
-                <a:sym typeface="Calibri"/>
-              </a:rPr>
-              <a:t>7</a:t>
-            </a:fld>
-            <a:endParaRPr sz="1200" b="0" i="0" u="none" strike="noStrike" cap="none">
-              <a:solidFill>
-                <a:schemeClr val="dk1"/>
-              </a:solidFill>
-              <a:latin typeface="Calibri"/>
-              <a:ea typeface="Calibri"/>
-              <a:cs typeface="Calibri"/>
-              <a:sym typeface="Calibri"/>
-            </a:endParaRPr>
-          </a:p>
-        </p:txBody>
-      </p:sp>
-    </p:spTree>
-    <p:extLst>
-      <p:ext uri="{BB962C8B-B14F-4D97-AF65-F5344CB8AC3E}">
-        <p14:creationId xmlns:p14="http://schemas.microsoft.com/office/powerpoint/2010/main" val="3754623991"/>
       </p:ext>
     </p:extLst>
   </p:cSld>
@@ -21732,570 +21538,6 @@
 </p:sld>
 </file>
 
-<file path=ppt/slides/slide7.xml><?xml version="1.0" encoding="utf-8"?>
-<p:sld xmlns:a="http://schemas.openxmlformats.org/drawingml/2006/main" xmlns:r="http://schemas.openxmlformats.org/officeDocument/2006/relationships" xmlns:p="http://schemas.openxmlformats.org/presentationml/2006/main">
-  <p:cSld>
-    <p:spTree>
-      <p:nvGrpSpPr>
-        <p:cNvPr id="1" name="Shape 156"/>
-        <p:cNvGrpSpPr/>
-        <p:nvPr/>
-      </p:nvGrpSpPr>
-      <p:grpSpPr>
-        <a:xfrm>
-          <a:off x="0" y="0"/>
-          <a:ext cx="0" cy="0"/>
-          <a:chOff x="0" y="0"/>
-          <a:chExt cx="0" cy="0"/>
-        </a:xfrm>
-      </p:grpSpPr>
-      <p:sp>
-        <p:nvSpPr>
-          <p:cNvPr id="158" name="Shape 158"/>
-          <p:cNvSpPr txBox="1">
-            <a:spLocks noGrp="1"/>
-          </p:cNvSpPr>
-          <p:nvPr>
-            <p:ph type="title"/>
-          </p:nvPr>
-        </p:nvSpPr>
-        <p:spPr>
-          <a:xfrm>
-            <a:off x="457200" y="1827862"/>
-            <a:ext cx="8229600" cy="1143000"/>
-          </a:xfrm>
-          <a:prstGeom prst="rect">
-            <a:avLst/>
-          </a:prstGeom>
-          <a:noFill/>
-          <a:ln>
-            <a:noFill/>
-          </a:ln>
-        </p:spPr>
-        <p:txBody>
-          <a:bodyPr spcFirstLastPara="1" wrap="square" lIns="91425" tIns="45700" rIns="91425" bIns="45700" anchor="ctr" anchorCtr="0">
-            <a:noAutofit/>
-          </a:bodyPr>
-          <a:lstStyle/>
-          <a:p>
-            <a:pPr marL="0" marR="0" lvl="0" indent="0" algn="l" rtl="0">
-              <a:spcBef>
-                <a:spcPts val="0"/>
-              </a:spcBef>
-              <a:spcAft>
-                <a:spcPts val="0"/>
-              </a:spcAft>
-              <a:buClr>
-                <a:schemeClr val="dk1"/>
-              </a:buClr>
-              <a:buSzPts val="4400"/>
-              <a:buFont typeface="Calibri"/>
-              <a:buNone/>
-            </a:pPr>
-            <a:r>
-              <a:rPr lang="en-US" sz="4100" b="1" i="0" u="none" strike="noStrike" cap="none" dirty="0">
-                <a:solidFill>
-                  <a:srgbClr val="262626"/>
-                </a:solidFill>
-                <a:latin typeface="Roboto"/>
-                <a:ea typeface="Roboto"/>
-                <a:cs typeface="Roboto"/>
-                <a:sym typeface="Roboto"/>
-              </a:rPr>
-              <a:t>JSON </a:t>
-            </a:r>
-            <a:r>
-              <a:rPr lang="ru-RU" sz="4100" b="1" i="0" u="none" strike="noStrike" cap="none" dirty="0">
-                <a:solidFill>
-                  <a:srgbClr val="262626"/>
-                </a:solidFill>
-                <a:latin typeface="Roboto"/>
-                <a:ea typeface="Roboto"/>
-                <a:cs typeface="Roboto"/>
-                <a:sym typeface="Roboto"/>
-              </a:rPr>
-              <a:t>сериализация</a:t>
-            </a:r>
-            <a:endParaRPr sz="4100" b="1" i="0" u="none" strike="noStrike" cap="none" dirty="0">
-              <a:solidFill>
-                <a:srgbClr val="262626"/>
-              </a:solidFill>
-              <a:latin typeface="Roboto"/>
-              <a:ea typeface="Roboto"/>
-              <a:cs typeface="Roboto"/>
-              <a:sym typeface="Roboto"/>
-            </a:endParaRPr>
-          </a:p>
-        </p:txBody>
-      </p:sp>
-      <p:sp>
-        <p:nvSpPr>
-          <p:cNvPr id="159" name="Shape 159"/>
-          <p:cNvSpPr/>
-          <p:nvPr/>
-        </p:nvSpPr>
-        <p:spPr>
-          <a:xfrm>
-            <a:off x="7145316" y="408237"/>
-            <a:ext cx="1856100" cy="290400"/>
-          </a:xfrm>
-          <a:prstGeom prst="roundRect">
-            <a:avLst>
-              <a:gd name="adj" fmla="val 0"/>
-            </a:avLst>
-          </a:prstGeom>
-          <a:noFill/>
-          <a:ln>
-            <a:noFill/>
-          </a:ln>
-        </p:spPr>
-        <p:txBody>
-          <a:bodyPr spcFirstLastPara="1" wrap="square" lIns="91425" tIns="45700" rIns="91425" bIns="45700" anchor="ctr" anchorCtr="0">
-            <a:noAutofit/>
-          </a:bodyPr>
-          <a:lstStyle/>
-          <a:p>
-            <a:pPr marL="0" marR="0" lvl="0" indent="0" algn="ctr" rtl="0">
-              <a:spcBef>
-                <a:spcPts val="0"/>
-              </a:spcBef>
-              <a:spcAft>
-                <a:spcPts val="0"/>
-              </a:spcAft>
-              <a:buClr>
-                <a:schemeClr val="lt1"/>
-              </a:buClr>
-              <a:buSzPts val="1200"/>
-              <a:buFont typeface="Arial"/>
-              <a:buNone/>
-            </a:pPr>
-            <a:r>
-              <a:rPr lang="en-US" sz="1500" b="1" i="0" strike="noStrike" cap="none">
-                <a:solidFill>
-                  <a:srgbClr val="262626"/>
-                </a:solidFill>
-                <a:latin typeface="Roboto"/>
-                <a:ea typeface="Roboto"/>
-                <a:cs typeface="Roboto"/>
-                <a:sym typeface="Roboto"/>
-              </a:rPr>
-              <a:t>www.itea.ua</a:t>
-            </a:r>
-            <a:endParaRPr sz="1500" b="1" i="0" strike="noStrike" cap="none">
-              <a:solidFill>
-                <a:srgbClr val="262626"/>
-              </a:solidFill>
-              <a:latin typeface="Roboto"/>
-              <a:ea typeface="Roboto"/>
-              <a:cs typeface="Roboto"/>
-              <a:sym typeface="Roboto"/>
-            </a:endParaRPr>
-          </a:p>
-        </p:txBody>
-      </p:sp>
-      <p:sp>
-        <p:nvSpPr>
-          <p:cNvPr id="160" name="Shape 160"/>
-          <p:cNvSpPr/>
-          <p:nvPr/>
-        </p:nvSpPr>
-        <p:spPr>
-          <a:xfrm rot="10800000" flipH="1">
-            <a:off x="0" y="1127850"/>
-            <a:ext cx="3143100" cy="42300"/>
-          </a:xfrm>
-          <a:prstGeom prst="rect">
-            <a:avLst/>
-          </a:prstGeom>
-          <a:solidFill>
-            <a:srgbClr val="CC0000"/>
-          </a:solidFill>
-          <a:ln>
-            <a:noFill/>
-          </a:ln>
-        </p:spPr>
-        <p:txBody>
-          <a:bodyPr spcFirstLastPara="1" wrap="square" lIns="91425" tIns="91425" rIns="91425" bIns="91425" anchor="ctr" anchorCtr="0">
-            <a:noAutofit/>
-          </a:bodyPr>
-          <a:lstStyle/>
-          <a:p>
-            <a:pPr marL="0" lvl="0" indent="0">
-              <a:spcBef>
-                <a:spcPts val="0"/>
-              </a:spcBef>
-              <a:spcAft>
-                <a:spcPts val="0"/>
-              </a:spcAft>
-              <a:buNone/>
-            </a:pPr>
-            <a:r>
-              <a:rPr lang="en-US"/>
-              <a:t>                                                                                     </a:t>
-            </a:r>
-            <a:endParaRPr/>
-          </a:p>
-        </p:txBody>
-      </p:sp>
-      <p:sp>
-        <p:nvSpPr>
-          <p:cNvPr id="161" name="Shape 161"/>
-          <p:cNvSpPr/>
-          <p:nvPr/>
-        </p:nvSpPr>
-        <p:spPr>
-          <a:xfrm rot="10800000" flipH="1">
-            <a:off x="3067050" y="1127850"/>
-            <a:ext cx="3143100" cy="42300"/>
-          </a:xfrm>
-          <a:prstGeom prst="rect">
-            <a:avLst/>
-          </a:prstGeom>
-          <a:solidFill>
-            <a:srgbClr val="262626"/>
-          </a:solidFill>
-          <a:ln>
-            <a:noFill/>
-          </a:ln>
-        </p:spPr>
-        <p:txBody>
-          <a:bodyPr spcFirstLastPara="1" wrap="square" lIns="91425" tIns="91425" rIns="91425" bIns="91425" anchor="ctr" anchorCtr="0">
-            <a:noAutofit/>
-          </a:bodyPr>
-          <a:lstStyle/>
-          <a:p>
-            <a:pPr marL="0" lvl="0" indent="0">
-              <a:spcBef>
-                <a:spcPts val="0"/>
-              </a:spcBef>
-              <a:spcAft>
-                <a:spcPts val="0"/>
-              </a:spcAft>
-              <a:buNone/>
-            </a:pPr>
-            <a:endParaRPr/>
-          </a:p>
-        </p:txBody>
-      </p:sp>
-      <p:pic>
-        <p:nvPicPr>
-          <p:cNvPr id="162" name="Shape 162"/>
-          <p:cNvPicPr preferRelativeResize="0"/>
-          <p:nvPr/>
-        </p:nvPicPr>
-        <p:blipFill>
-          <a:blip r:embed="rId3">
-            <a:alphaModFix/>
-          </a:blip>
-          <a:stretch>
-            <a:fillRect/>
-          </a:stretch>
-        </p:blipFill>
-        <p:spPr>
-          <a:xfrm>
-            <a:off x="353700" y="302000"/>
-            <a:ext cx="1741800" cy="502875"/>
-          </a:xfrm>
-          <a:prstGeom prst="rect">
-            <a:avLst/>
-          </a:prstGeom>
-          <a:noFill/>
-          <a:ln>
-            <a:noFill/>
-          </a:ln>
-        </p:spPr>
-      </p:pic>
-      <p:sp>
-        <p:nvSpPr>
-          <p:cNvPr id="163" name="Shape 163"/>
-          <p:cNvSpPr txBox="1"/>
-          <p:nvPr/>
-        </p:nvSpPr>
-        <p:spPr>
-          <a:xfrm>
-            <a:off x="467326" y="2527825"/>
-            <a:ext cx="8181300" cy="3074100"/>
-          </a:xfrm>
-          <a:prstGeom prst="rect">
-            <a:avLst/>
-          </a:prstGeom>
-          <a:noFill/>
-          <a:ln>
-            <a:noFill/>
-          </a:ln>
-        </p:spPr>
-        <p:txBody>
-          <a:bodyPr spcFirstLastPara="1" wrap="square" lIns="91425" tIns="45700" rIns="91425" bIns="45700" anchor="ctr" anchorCtr="0">
-            <a:noAutofit/>
-          </a:bodyPr>
-          <a:lstStyle/>
-          <a:p>
-            <a:pPr marL="0" marR="0" lvl="0" indent="-12700" algn="l" rtl="0">
-              <a:lnSpc>
-                <a:spcPct val="200000"/>
-              </a:lnSpc>
-              <a:spcBef>
-                <a:spcPts val="0"/>
-              </a:spcBef>
-              <a:spcAft>
-                <a:spcPts val="0"/>
-              </a:spcAft>
-              <a:buSzPts val="2000"/>
-              <a:buFont typeface="Noto Sans Symbols"/>
-              <a:buChar char="▪"/>
-            </a:pPr>
-            <a:r>
-              <a:rPr lang="en-US" sz="2000" b="0" i="0" u="none" strike="noStrike" cap="none" dirty="0">
-                <a:solidFill>
-                  <a:srgbClr val="424C53"/>
-                </a:solidFill>
-                <a:latin typeface="Calibri"/>
-                <a:ea typeface="Calibri"/>
-                <a:cs typeface="Calibri"/>
-                <a:sym typeface="Calibri"/>
-              </a:rPr>
-              <a:t>  </a:t>
-            </a:r>
-            <a:r>
-              <a:rPr lang="en-US" sz="2000" dirty="0" err="1">
-                <a:latin typeface="Roboto"/>
-                <a:ea typeface="Roboto"/>
-                <a:cs typeface="Roboto"/>
-                <a:sym typeface="Roboto"/>
-              </a:rPr>
-              <a:t>Современные</a:t>
-            </a:r>
-            <a:r>
-              <a:rPr lang="en-US" sz="2000" dirty="0">
-                <a:latin typeface="Roboto"/>
-                <a:ea typeface="Roboto"/>
-                <a:cs typeface="Roboto"/>
-                <a:sym typeface="Roboto"/>
-              </a:rPr>
-              <a:t> </a:t>
-            </a:r>
-            <a:r>
-              <a:rPr lang="en-US" sz="2000" dirty="0" err="1">
-                <a:latin typeface="Roboto"/>
-                <a:ea typeface="Roboto"/>
-                <a:cs typeface="Roboto"/>
-                <a:sym typeface="Roboto"/>
-              </a:rPr>
-              <a:t>классы</a:t>
-            </a:r>
-            <a:endParaRPr sz="2000" b="0" i="0" u="none" strike="noStrike" cap="none" dirty="0">
-              <a:latin typeface="Calibri"/>
-              <a:ea typeface="Calibri"/>
-              <a:cs typeface="Calibri"/>
-              <a:sym typeface="Calibri"/>
-            </a:endParaRPr>
-          </a:p>
-          <a:p>
-            <a:pPr marL="0" marR="0" lvl="0" indent="-12700" algn="l" rtl="0">
-              <a:lnSpc>
-                <a:spcPct val="200000"/>
-              </a:lnSpc>
-              <a:spcBef>
-                <a:spcPts val="360"/>
-              </a:spcBef>
-              <a:spcAft>
-                <a:spcPts val="0"/>
-              </a:spcAft>
-              <a:buSzPts val="2000"/>
-              <a:buFont typeface="Noto Sans Symbols"/>
-              <a:buChar char="▪"/>
-            </a:pPr>
-            <a:r>
-              <a:rPr lang="en-US" sz="2000" b="0" i="0" u="none" strike="noStrike" cap="none" dirty="0">
-                <a:latin typeface="Calibri"/>
-                <a:ea typeface="Calibri"/>
-                <a:cs typeface="Calibri"/>
-                <a:sym typeface="Calibri"/>
-              </a:rPr>
-              <a:t>  </a:t>
-            </a:r>
-            <a:r>
-              <a:rPr lang="en-US" sz="2000" dirty="0" err="1">
-                <a:latin typeface="Roboto"/>
-                <a:ea typeface="Roboto"/>
-                <a:cs typeface="Roboto"/>
-                <a:sym typeface="Roboto"/>
-              </a:rPr>
-              <a:t>Полное</a:t>
-            </a:r>
-            <a:r>
-              <a:rPr lang="en-US" sz="2000" dirty="0">
-                <a:latin typeface="Roboto"/>
-                <a:ea typeface="Roboto"/>
-                <a:cs typeface="Roboto"/>
-                <a:sym typeface="Roboto"/>
-              </a:rPr>
-              <a:t> </a:t>
-            </a:r>
-            <a:r>
-              <a:rPr lang="en-US" sz="2000" dirty="0" err="1">
-                <a:latin typeface="Roboto"/>
-                <a:ea typeface="Roboto"/>
-                <a:cs typeface="Roboto"/>
-                <a:sym typeface="Roboto"/>
-              </a:rPr>
-              <a:t>соответствие</a:t>
-            </a:r>
-            <a:r>
-              <a:rPr lang="en-US" sz="2000" dirty="0">
-                <a:latin typeface="Roboto"/>
-                <a:ea typeface="Roboto"/>
-                <a:cs typeface="Roboto"/>
-                <a:sym typeface="Roboto"/>
-              </a:rPr>
-              <a:t> </a:t>
-            </a:r>
-            <a:r>
-              <a:rPr lang="en-US" sz="2000" dirty="0" err="1">
-                <a:latin typeface="Roboto"/>
-                <a:ea typeface="Roboto"/>
-                <a:cs typeface="Roboto"/>
-                <a:sym typeface="Roboto"/>
-              </a:rPr>
-              <a:t>учебным</a:t>
-            </a:r>
-            <a:r>
-              <a:rPr lang="en-US" sz="2000" dirty="0">
-                <a:latin typeface="Roboto"/>
-                <a:ea typeface="Roboto"/>
-                <a:cs typeface="Roboto"/>
-                <a:sym typeface="Roboto"/>
-              </a:rPr>
-              <a:t> </a:t>
-            </a:r>
-            <a:r>
-              <a:rPr lang="en-US" sz="2000" dirty="0" err="1">
-                <a:latin typeface="Roboto"/>
-                <a:ea typeface="Roboto"/>
-                <a:cs typeface="Roboto"/>
-                <a:sym typeface="Roboto"/>
-              </a:rPr>
-              <a:t>стандартам</a:t>
-            </a:r>
-            <a:endParaRPr sz="2000" b="0" i="0" u="none" strike="noStrike" cap="none" dirty="0">
-              <a:latin typeface="Calibri"/>
-              <a:ea typeface="Calibri"/>
-              <a:cs typeface="Calibri"/>
-              <a:sym typeface="Calibri"/>
-            </a:endParaRPr>
-          </a:p>
-          <a:p>
-            <a:pPr marL="0" marR="0" lvl="0" indent="-12700" algn="l" rtl="0">
-              <a:lnSpc>
-                <a:spcPct val="200000"/>
-              </a:lnSpc>
-              <a:spcBef>
-                <a:spcPts val="360"/>
-              </a:spcBef>
-              <a:spcAft>
-                <a:spcPts val="0"/>
-              </a:spcAft>
-              <a:buSzPts val="2000"/>
-              <a:buFont typeface="Noto Sans Symbols"/>
-              <a:buChar char="▪"/>
-            </a:pPr>
-            <a:r>
-              <a:rPr lang="en-US" sz="2000" b="0" i="0" u="none" strike="noStrike" cap="none" dirty="0">
-                <a:latin typeface="Calibri"/>
-                <a:ea typeface="Calibri"/>
-                <a:cs typeface="Calibri"/>
-                <a:sym typeface="Calibri"/>
-              </a:rPr>
-              <a:t>  </a:t>
-            </a:r>
-            <a:r>
-              <a:rPr lang="en-US" sz="2000" dirty="0" err="1">
-                <a:latin typeface="Roboto"/>
-                <a:ea typeface="Roboto"/>
-                <a:cs typeface="Roboto"/>
-                <a:sym typeface="Roboto"/>
-              </a:rPr>
-              <a:t>Удобное</a:t>
-            </a:r>
-            <a:r>
-              <a:rPr lang="en-US" sz="2000" dirty="0">
-                <a:latin typeface="Roboto"/>
-                <a:ea typeface="Roboto"/>
-                <a:cs typeface="Roboto"/>
-                <a:sym typeface="Roboto"/>
-              </a:rPr>
-              <a:t> </a:t>
-            </a:r>
-            <a:r>
-              <a:rPr lang="en-US" sz="2000" dirty="0" err="1">
-                <a:latin typeface="Roboto"/>
-                <a:ea typeface="Roboto"/>
-                <a:cs typeface="Roboto"/>
-                <a:sym typeface="Roboto"/>
-              </a:rPr>
-              <a:t>месторасположение</a:t>
-            </a:r>
-            <a:r>
-              <a:rPr lang="en-US" sz="2000" dirty="0">
-                <a:latin typeface="Roboto"/>
-                <a:ea typeface="Roboto"/>
-                <a:cs typeface="Roboto"/>
-                <a:sym typeface="Roboto"/>
-              </a:rPr>
-              <a:t> </a:t>
-            </a:r>
-            <a:r>
-              <a:rPr lang="en-US" sz="2000" dirty="0" err="1">
-                <a:latin typeface="Roboto"/>
-                <a:ea typeface="Roboto"/>
-                <a:cs typeface="Roboto"/>
-                <a:sym typeface="Roboto"/>
-              </a:rPr>
-              <a:t>рядом</a:t>
-            </a:r>
-            <a:r>
-              <a:rPr lang="en-US" sz="2000" dirty="0">
-                <a:latin typeface="Roboto"/>
-                <a:ea typeface="Roboto"/>
-                <a:cs typeface="Roboto"/>
-                <a:sym typeface="Roboto"/>
-              </a:rPr>
-              <a:t> с м. </a:t>
-            </a:r>
-            <a:r>
-              <a:rPr lang="en-US" sz="2000" dirty="0" err="1">
-                <a:latin typeface="Roboto"/>
-                <a:ea typeface="Roboto"/>
-                <a:cs typeface="Roboto"/>
-                <a:sym typeface="Roboto"/>
-              </a:rPr>
-              <a:t>Печерская</a:t>
-            </a:r>
-            <a:endParaRPr sz="2000" i="0" u="none" strike="noStrike" cap="none" dirty="0">
-              <a:latin typeface="Roboto"/>
-              <a:ea typeface="Roboto"/>
-              <a:cs typeface="Roboto"/>
-              <a:sym typeface="Roboto"/>
-            </a:endParaRPr>
-          </a:p>
-        </p:txBody>
-      </p:sp>
-    </p:spTree>
-    <p:extLst>
-      <p:ext uri="{BB962C8B-B14F-4D97-AF65-F5344CB8AC3E}">
-        <p14:creationId xmlns:p14="http://schemas.microsoft.com/office/powerpoint/2010/main" val="4137981400"/>
-      </p:ext>
-    </p:extLst>
-  </p:cSld>
-  <p:clrMapOvr>
-    <a:masterClrMapping/>
-  </p:clrMapOvr>
-  <p:transition>
-    <p:fade/>
-  </p:transition>
-</p:sld>
-</file>
-
 <file path=ppt/theme/theme1.xml><?xml version="1.0" encoding="utf-8"?>
 <a:theme xmlns:a="http://schemas.openxmlformats.org/drawingml/2006/main" name="Тема Office">
   <a:themeElements>
